--- a/Clase 9/Clase 9.pptx
+++ b/Clase 9/Clase 9.pptx
@@ -2115,6 +2115,13 @@
   <p:clrMapOvr>
     <a:masterClrMapping/>
   </p:clrMapOvr>
+  <p:timing>
+    <p:tnLst>
+      <p:par>
+        <p:cTn id="1" dur="indefinite" restart="never" nodeType="tmRoot"/>
+      </p:par>
+    </p:tnLst>
+  </p:timing>
 </p:sld>
 </file>
 
@@ -2586,6 +2593,13 @@
   <p:clrMapOvr>
     <a:masterClrMapping/>
   </p:clrMapOvr>
+  <p:timing>
+    <p:tnLst>
+      <p:par>
+        <p:cTn id="1" dur="indefinite" restart="never" nodeType="tmRoot"/>
+      </p:par>
+    </p:tnLst>
+  </p:timing>
 </p:sld>
 </file>
 
@@ -3216,6 +3230,13 @@
   <p:clrMapOvr>
     <a:masterClrMapping/>
   </p:clrMapOvr>
+  <p:timing>
+    <p:tnLst>
+      <p:par>
+        <p:cTn id="1" dur="indefinite" restart="never" nodeType="tmRoot"/>
+      </p:par>
+    </p:tnLst>
+  </p:timing>
 </p:sld>
 </file>
 
@@ -3733,6 +3754,13 @@
   <p:clrMapOvr>
     <a:masterClrMapping/>
   </p:clrMapOvr>
+  <p:timing>
+    <p:tnLst>
+      <p:par>
+        <p:cTn id="1" dur="indefinite" restart="never" nodeType="tmRoot"/>
+      </p:par>
+    </p:tnLst>
+  </p:timing>
 </p:sld>
 </file>
 
@@ -4296,6 +4324,13 @@
   <p:clrMapOvr>
     <a:masterClrMapping/>
   </p:clrMapOvr>
+  <p:timing>
+    <p:tnLst>
+      <p:par>
+        <p:cTn id="1" dur="indefinite" restart="never" nodeType="tmRoot"/>
+      </p:par>
+    </p:tnLst>
+  </p:timing>
 </p:sld>
 </file>
 
@@ -4813,6 +4848,13 @@
   <p:clrMapOvr>
     <a:masterClrMapping/>
   </p:clrMapOvr>
+  <p:timing>
+    <p:tnLst>
+      <p:par>
+        <p:cTn id="1" dur="indefinite" restart="never" nodeType="tmRoot"/>
+      </p:par>
+    </p:tnLst>
+  </p:timing>
 </p:sld>
 </file>
 
@@ -5515,6 +5557,13 @@
   <p:clrMapOvr>
     <a:masterClrMapping/>
   </p:clrMapOvr>
+  <p:timing>
+    <p:tnLst>
+      <p:par>
+        <p:cTn id="1" dur="indefinite" restart="never" nodeType="tmRoot"/>
+      </p:par>
+    </p:tnLst>
+  </p:timing>
 </p:sld>
 </file>
 
@@ -6173,6 +6222,13 @@
   <p:clrMapOvr>
     <a:masterClrMapping/>
   </p:clrMapOvr>
+  <p:timing>
+    <p:tnLst>
+      <p:par>
+        <p:cTn id="1" dur="indefinite" restart="never" nodeType="tmRoot"/>
+      </p:par>
+    </p:tnLst>
+  </p:timing>
 </p:sld>
 </file>
 
@@ -6733,6 +6789,13 @@
   <p:clrMapOvr>
     <a:masterClrMapping/>
   </p:clrMapOvr>
+  <p:timing>
+    <p:tnLst>
+      <p:par>
+        <p:cTn id="1" dur="indefinite" restart="never" nodeType="tmRoot"/>
+      </p:par>
+    </p:tnLst>
+  </p:timing>
 </p:sld>
 </file>
 
@@ -8075,6 +8138,13 @@
   <p:clrMapOvr>
     <a:masterClrMapping/>
   </p:clrMapOvr>
+  <p:timing>
+    <p:tnLst>
+      <p:par>
+        <p:cTn id="1" dur="indefinite" restart="never" nodeType="tmRoot"/>
+      </p:par>
+    </p:tnLst>
+  </p:timing>
 </p:sld>
 </file>
 
@@ -8505,6 +8575,13 @@
   <p:clrMapOvr>
     <a:masterClrMapping/>
   </p:clrMapOvr>
+  <p:timing>
+    <p:tnLst>
+      <p:par>
+        <p:cTn id="1" dur="indefinite" restart="never" nodeType="tmRoot"/>
+      </p:par>
+    </p:tnLst>
+  </p:timing>
 </p:sld>
 </file>
 
@@ -8588,6 +8665,13 @@
   <p:clrMapOvr>
     <a:masterClrMapping/>
   </p:clrMapOvr>
+  <p:timing>
+    <p:tnLst>
+      <p:par>
+        <p:cTn id="1" dur="indefinite" restart="never" nodeType="tmRoot"/>
+      </p:par>
+    </p:tnLst>
+  </p:timing>
 </p:sld>
 </file>
 
@@ -8908,6 +8992,13 @@
   <p:clrMapOvr>
     <a:masterClrMapping/>
   </p:clrMapOvr>
+  <p:timing>
+    <p:tnLst>
+      <p:par>
+        <p:cTn id="1" dur="indefinite" restart="never" nodeType="tmRoot"/>
+      </p:par>
+    </p:tnLst>
+  </p:timing>
 </p:sld>
 </file>
 
@@ -9377,6 +9468,13 @@
   <p:clrMapOvr>
     <a:masterClrMapping/>
   </p:clrMapOvr>
+  <p:timing>
+    <p:tnLst>
+      <p:par>
+        <p:cTn id="1" dur="indefinite" restart="never" nodeType="tmRoot"/>
+      </p:par>
+    </p:tnLst>
+  </p:timing>
 </p:sld>
 </file>
 
@@ -9846,6 +9944,13 @@
   <p:clrMapOvr>
     <a:masterClrMapping/>
   </p:clrMapOvr>
+  <p:timing>
+    <p:tnLst>
+      <p:par>
+        <p:cTn id="1" dur="indefinite" restart="never" nodeType="tmRoot"/>
+      </p:par>
+    </p:tnLst>
+  </p:timing>
 </p:sld>
 </file>
 
@@ -10220,6 +10325,13 @@
   <p:clrMapOvr>
     <a:masterClrMapping/>
   </p:clrMapOvr>
+  <p:timing>
+    <p:tnLst>
+      <p:par>
+        <p:cTn id="1" dur="indefinite" restart="never" nodeType="tmRoot"/>
+      </p:par>
+    </p:tnLst>
+  </p:timing>
 </p:sld>
 </file>
 
@@ -10456,6 +10568,13 @@
   <p:clrMapOvr>
     <a:masterClrMapping/>
   </p:clrMapOvr>
+  <p:timing>
+    <p:tnLst>
+      <p:par>
+        <p:cTn id="1" dur="indefinite" restart="never" nodeType="tmRoot"/>
+      </p:par>
+    </p:tnLst>
+  </p:timing>
 </p:sld>
 </file>
 
@@ -10760,6 +10879,13 @@
   <p:clrMapOvr>
     <a:masterClrMapping/>
   </p:clrMapOvr>
+  <p:timing>
+    <p:tnLst>
+      <p:par>
+        <p:cTn id="1" dur="indefinite" restart="never" nodeType="tmRoot"/>
+      </p:par>
+    </p:tnLst>
+  </p:timing>
 </p:sld>
 </file>
 
@@ -10934,6 +11060,13 @@
   <p:clrMapOvr>
     <a:masterClrMapping/>
   </p:clrMapOvr>
+  <p:timing>
+    <p:tnLst>
+      <p:par>
+        <p:cTn id="1" dur="indefinite" restart="never" nodeType="tmRoot"/>
+      </p:par>
+    </p:tnLst>
+  </p:timing>
 </p:sld>
 </file>
 
@@ -11916,6 +12049,13 @@
   <p:clrMapOvr>
     <a:masterClrMapping/>
   </p:clrMapOvr>
+  <p:timing>
+    <p:tnLst>
+      <p:par>
+        <p:cTn id="1" dur="indefinite" restart="never" nodeType="tmRoot"/>
+      </p:par>
+    </p:tnLst>
+  </p:timing>
 </p:sld>
 </file>
 
@@ -12544,6 +12684,13 @@
   <p:clrMapOvr>
     <a:masterClrMapping/>
   </p:clrMapOvr>
+  <p:timing>
+    <p:tnLst>
+      <p:par>
+        <p:cTn id="1" dur="indefinite" restart="never" nodeType="tmRoot"/>
+      </p:par>
+    </p:tnLst>
+  </p:timing>
 </p:sld>
 </file>
 
@@ -13182,6 +13329,13 @@
   <p:clrMapOvr>
     <a:masterClrMapping/>
   </p:clrMapOvr>
+  <p:timing>
+    <p:tnLst>
+      <p:par>
+        <p:cTn id="1" dur="indefinite" restart="never" nodeType="tmRoot"/>
+      </p:par>
+    </p:tnLst>
+  </p:timing>
 </p:sld>
 </file>
 
@@ -13601,6 +13755,13 @@
   <p:clrMapOvr>
     <a:masterClrMapping/>
   </p:clrMapOvr>
+  <p:timing>
+    <p:tnLst>
+      <p:par>
+        <p:cTn id="1" dur="indefinite" restart="never" nodeType="tmRoot"/>
+      </p:par>
+    </p:tnLst>
+  </p:timing>
 </p:sld>
 </file>
 
@@ -14239,6 +14400,13 @@
   <p:clrMapOvr>
     <a:masterClrMapping/>
   </p:clrMapOvr>
+  <p:timing>
+    <p:tnLst>
+      <p:par>
+        <p:cTn id="1" dur="indefinite" restart="never" nodeType="tmRoot"/>
+      </p:par>
+    </p:tnLst>
+  </p:timing>
 </p:sld>
 </file>
 
@@ -14420,6 +14588,13 @@
   <p:clrMapOvr>
     <a:masterClrMapping/>
   </p:clrMapOvr>
+  <p:timing>
+    <p:tnLst>
+      <p:par>
+        <p:cTn id="1" dur="indefinite" restart="never" nodeType="tmRoot"/>
+      </p:par>
+    </p:tnLst>
+  </p:timing>
 </p:sld>
 </file>
 
@@ -14546,6 +14721,13 @@
   <p:clrMapOvr>
     <a:masterClrMapping/>
   </p:clrMapOvr>
+  <p:timing>
+    <p:tnLst>
+      <p:par>
+        <p:cTn id="1" dur="indefinite" restart="never" nodeType="tmRoot"/>
+      </p:par>
+    </p:tnLst>
+  </p:timing>
 </p:sld>
 </file>
 
@@ -15466,6 +15648,13 @@
   <p:clrMapOvr>
     <a:masterClrMapping/>
   </p:clrMapOvr>
+  <p:timing>
+    <p:tnLst>
+      <p:par>
+        <p:cTn id="1" dur="indefinite" restart="never" nodeType="tmRoot"/>
+      </p:par>
+    </p:tnLst>
+  </p:timing>
 </p:sld>
 </file>
 
@@ -16341,6 +16530,13 @@
   <p:clrMapOvr>
     <a:masterClrMapping/>
   </p:clrMapOvr>
+  <p:timing>
+    <p:tnLst>
+      <p:par>
+        <p:cTn id="1" dur="indefinite" restart="never" nodeType="tmRoot"/>
+      </p:par>
+    </p:tnLst>
+  </p:timing>
 </p:sld>
 </file>
 
@@ -16500,6 +16696,13 @@
   <p:clrMapOvr>
     <a:masterClrMapping/>
   </p:clrMapOvr>
+  <p:timing>
+    <p:tnLst>
+      <p:par>
+        <p:cTn id="1" dur="indefinite" restart="never" nodeType="tmRoot"/>
+      </p:par>
+    </p:tnLst>
+  </p:timing>
 </p:sld>
 </file>
 
@@ -16658,6 +16861,13 @@
   <p:clrMapOvr>
     <a:masterClrMapping/>
   </p:clrMapOvr>
+  <p:timing>
+    <p:tnLst>
+      <p:par>
+        <p:cTn id="1" dur="indefinite" restart="never" nodeType="tmRoot"/>
+      </p:par>
+    </p:tnLst>
+  </p:timing>
 </p:sld>
 </file>
 
@@ -16824,6 +17034,13 @@
   <p:clrMapOvr>
     <a:masterClrMapping/>
   </p:clrMapOvr>
+  <p:timing>
+    <p:tnLst>
+      <p:par>
+        <p:cTn id="1" dur="indefinite" restart="never" nodeType="tmRoot"/>
+      </p:par>
+    </p:tnLst>
+  </p:timing>
 </p:sld>
 </file>
 
